--- a/Анализ эпидемиологических и экономических показателей в период пандемии.pptx
+++ b/Анализ эпидемиологических и экономических показателей в период пандемии.pptx
@@ -21,8 +21,12 @@
     <p:sldId id="268" r:id="rId15"/>
     <p:sldId id="270" r:id="rId16"/>
     <p:sldId id="271" r:id="rId17"/>
-    <p:sldId id="272" r:id="rId18"/>
-    <p:sldId id="276" r:id="rId19"/>
+    <p:sldId id="277" r:id="rId18"/>
+    <p:sldId id="278" r:id="rId19"/>
+    <p:sldId id="279" r:id="rId20"/>
+    <p:sldId id="280" r:id="rId21"/>
+    <p:sldId id="272" r:id="rId22"/>
+    <p:sldId id="276" r:id="rId23"/>
   </p:sldIdLst>
   <p:sldSz cx="9144000" cy="6858000" type="screen4x3"/>
   <p:notesSz cx="6858000" cy="9144000"/>
@@ -124,6 +128,153 @@
 </p:presentation>
 </file>
 
+<file path=ppt/charts/chart1.xml><?xml version="1.0" encoding="utf-8"?>
+<c:chartSpace xmlns:c="http://schemas.openxmlformats.org/drawingml/2006/chart" xmlns:a="http://schemas.openxmlformats.org/drawingml/2006/main" xmlns:r="http://schemas.openxmlformats.org/officeDocument/2006/relationships">
+  <c:date1904 val="0"/>
+  <c:lang val="ru-RU"/>
+  <c:roundedCorners val="0"/>
+  <mc:AlternateContent xmlns:mc="http://schemas.openxmlformats.org/markup-compatibility/2006">
+    <mc:Choice xmlns:c14="http://schemas.microsoft.com/office/drawing/2007/8/2/chart" Requires="c14">
+      <c14:style val="102"/>
+    </mc:Choice>
+    <mc:Fallback>
+      <c:style val="2"/>
+    </mc:Fallback>
+  </mc:AlternateContent>
+  <c:chart>
+    <c:title>
+      <c:layout/>
+      <c:overlay val="0"/>
+    </c:title>
+    <c:autoTitleDeleted val="0"/>
+    <c:plotArea>
+      <c:layout/>
+      <c:barChart>
+        <c:barDir val="col"/>
+        <c:grouping val="clustered"/>
+        <c:varyColors val="0"/>
+        <c:ser>
+          <c:idx val="0"/>
+          <c:order val="0"/>
+          <c:tx>
+            <c:strRef>
+              <c:f>Лист1!$B$1</c:f>
+              <c:strCache>
+                <c:ptCount val="1"/>
+                <c:pt idx="0">
+                  <c:v>Размер файла</c:v>
+                </c:pt>
+              </c:strCache>
+            </c:strRef>
+          </c:tx>
+          <c:invertIfNegative val="0"/>
+          <c:cat>
+            <c:strRef>
+              <c:f>Лист1!$A$2:$A$4</c:f>
+              <c:strCache>
+                <c:ptCount val="3"/>
+                <c:pt idx="0">
+                  <c:v>CSV</c:v>
+                </c:pt>
+                <c:pt idx="1">
+                  <c:v>Parquet</c:v>
+                </c:pt>
+                <c:pt idx="2">
+                  <c:v>Parquet + сжатие</c:v>
+                </c:pt>
+              </c:strCache>
+            </c:strRef>
+          </c:cat>
+          <c:val>
+            <c:numRef>
+              <c:f>Лист1!$B$2:$B$4</c:f>
+              <c:numCache>
+                <c:formatCode>General</c:formatCode>
+                <c:ptCount val="3"/>
+                <c:pt idx="0">
+                  <c:v>58337</c:v>
+                </c:pt>
+                <c:pt idx="1">
+                  <c:v>44471</c:v>
+                </c:pt>
+                <c:pt idx="2">
+                  <c:v>40386</c:v>
+                </c:pt>
+              </c:numCache>
+            </c:numRef>
+          </c:val>
+        </c:ser>
+        <c:dLbls>
+          <c:showLegendKey val="0"/>
+          <c:showVal val="0"/>
+          <c:showCatName val="0"/>
+          <c:showSerName val="0"/>
+          <c:showPercent val="0"/>
+          <c:showBubbleSize val="0"/>
+        </c:dLbls>
+        <c:gapWidth val="150"/>
+        <c:axId val="41040384"/>
+        <c:axId val="40594240"/>
+      </c:barChart>
+      <c:catAx>
+        <c:axId val="41040384"/>
+        <c:scaling>
+          <c:orientation val="minMax"/>
+        </c:scaling>
+        <c:delete val="0"/>
+        <c:axPos val="b"/>
+        <c:majorTickMark val="out"/>
+        <c:minorTickMark val="none"/>
+        <c:tickLblPos val="nextTo"/>
+        <c:crossAx val="40594240"/>
+        <c:crosses val="autoZero"/>
+        <c:auto val="1"/>
+        <c:lblAlgn val="ctr"/>
+        <c:lblOffset val="100"/>
+        <c:noMultiLvlLbl val="0"/>
+      </c:catAx>
+      <c:valAx>
+        <c:axId val="40594240"/>
+        <c:scaling>
+          <c:orientation val="minMax"/>
+        </c:scaling>
+        <c:delete val="0"/>
+        <c:axPos val="l"/>
+        <c:majorGridlines/>
+        <c:numFmt formatCode="General" sourceLinked="1"/>
+        <c:majorTickMark val="out"/>
+        <c:minorTickMark val="none"/>
+        <c:tickLblPos val="nextTo"/>
+        <c:crossAx val="41040384"/>
+        <c:crosses val="autoZero"/>
+        <c:crossBetween val="between"/>
+      </c:valAx>
+    </c:plotArea>
+    <c:legend>
+      <c:legendPos val="r"/>
+      <c:layout/>
+      <c:overlay val="0"/>
+    </c:legend>
+    <c:plotVisOnly val="1"/>
+    <c:dispBlanksAs val="gap"/>
+    <c:showDLblsOverMax val="0"/>
+  </c:chart>
+  <c:txPr>
+    <a:bodyPr/>
+    <a:lstStyle/>
+    <a:p>
+      <a:pPr>
+        <a:defRPr sz="1800"/>
+      </a:pPr>
+      <a:endParaRPr lang="ru-RU"/>
+    </a:p>
+  </c:txPr>
+  <c:externalData r:id="rId1">
+    <c:autoUpdate val="0"/>
+  </c:externalData>
+</c:chartSpace>
+</file>
+
 <file path=ppt/slideLayouts/slideLayout1.xml><?xml version="1.0" encoding="utf-8"?>
 <p:sldLayout xmlns:a="http://schemas.openxmlformats.org/drawingml/2006/main" xmlns:r="http://schemas.openxmlformats.org/officeDocument/2006/relationships" xmlns:p="http://schemas.openxmlformats.org/presentationml/2006/main" type="title" preserve="1">
   <p:cSld name="Титульный слайд">
@@ -305,7 +456,7 @@
           <a:p>
             <a:fld id="{E84A7802-5501-4F4E-AF8C-CDD4AC9EE778}" type="datetimeFigureOut">
               <a:rPr lang="ru-RU" smtClean="0"/>
-              <a:t>17.11.2020</a:t>
+              <a:t>24.12.2020</a:t>
             </a:fld>
             <a:endParaRPr lang="ru-RU"/>
           </a:p>
@@ -475,7 +626,7 @@
           <a:p>
             <a:fld id="{E84A7802-5501-4F4E-AF8C-CDD4AC9EE778}" type="datetimeFigureOut">
               <a:rPr lang="ru-RU" smtClean="0"/>
-              <a:t>17.11.2020</a:t>
+              <a:t>24.12.2020</a:t>
             </a:fld>
             <a:endParaRPr lang="ru-RU"/>
           </a:p>
@@ -655,7 +806,7 @@
           <a:p>
             <a:fld id="{E84A7802-5501-4F4E-AF8C-CDD4AC9EE778}" type="datetimeFigureOut">
               <a:rPr lang="ru-RU" smtClean="0"/>
-              <a:t>17.11.2020</a:t>
+              <a:t>24.12.2020</a:t>
             </a:fld>
             <a:endParaRPr lang="ru-RU"/>
           </a:p>
@@ -825,7 +976,7 @@
           <a:p>
             <a:fld id="{E84A7802-5501-4F4E-AF8C-CDD4AC9EE778}" type="datetimeFigureOut">
               <a:rPr lang="ru-RU" smtClean="0"/>
-              <a:t>17.11.2020</a:t>
+              <a:t>24.12.2020</a:t>
             </a:fld>
             <a:endParaRPr lang="ru-RU"/>
           </a:p>
@@ -1071,7 +1222,7 @@
           <a:p>
             <a:fld id="{E84A7802-5501-4F4E-AF8C-CDD4AC9EE778}" type="datetimeFigureOut">
               <a:rPr lang="ru-RU" smtClean="0"/>
-              <a:t>17.11.2020</a:t>
+              <a:t>24.12.2020</a:t>
             </a:fld>
             <a:endParaRPr lang="ru-RU"/>
           </a:p>
@@ -1359,7 +1510,7 @@
           <a:p>
             <a:fld id="{E84A7802-5501-4F4E-AF8C-CDD4AC9EE778}" type="datetimeFigureOut">
               <a:rPr lang="ru-RU" smtClean="0"/>
-              <a:t>17.11.2020</a:t>
+              <a:t>24.12.2020</a:t>
             </a:fld>
             <a:endParaRPr lang="ru-RU"/>
           </a:p>
@@ -1781,7 +1932,7 @@
           <a:p>
             <a:fld id="{E84A7802-5501-4F4E-AF8C-CDD4AC9EE778}" type="datetimeFigureOut">
               <a:rPr lang="ru-RU" smtClean="0"/>
-              <a:t>17.11.2020</a:t>
+              <a:t>24.12.2020</a:t>
             </a:fld>
             <a:endParaRPr lang="ru-RU"/>
           </a:p>
@@ -1899,7 +2050,7 @@
           <a:p>
             <a:fld id="{E84A7802-5501-4F4E-AF8C-CDD4AC9EE778}" type="datetimeFigureOut">
               <a:rPr lang="ru-RU" smtClean="0"/>
-              <a:t>17.11.2020</a:t>
+              <a:t>24.12.2020</a:t>
             </a:fld>
             <a:endParaRPr lang="ru-RU"/>
           </a:p>
@@ -1994,7 +2145,7 @@
           <a:p>
             <a:fld id="{E84A7802-5501-4F4E-AF8C-CDD4AC9EE778}" type="datetimeFigureOut">
               <a:rPr lang="ru-RU" smtClean="0"/>
-              <a:t>17.11.2020</a:t>
+              <a:t>24.12.2020</a:t>
             </a:fld>
             <a:endParaRPr lang="ru-RU"/>
           </a:p>
@@ -2271,7 +2422,7 @@
           <a:p>
             <a:fld id="{E84A7802-5501-4F4E-AF8C-CDD4AC9EE778}" type="datetimeFigureOut">
               <a:rPr lang="ru-RU" smtClean="0"/>
-              <a:t>17.11.2020</a:t>
+              <a:t>24.12.2020</a:t>
             </a:fld>
             <a:endParaRPr lang="ru-RU"/>
           </a:p>
@@ -2524,7 +2675,7 @@
           <a:p>
             <a:fld id="{E84A7802-5501-4F4E-AF8C-CDD4AC9EE778}" type="datetimeFigureOut">
               <a:rPr lang="ru-RU" smtClean="0"/>
-              <a:t>17.11.2020</a:t>
+              <a:t>24.12.2020</a:t>
             </a:fld>
             <a:endParaRPr lang="ru-RU"/>
           </a:p>
@@ -2737,7 +2888,7 @@
           <a:p>
             <a:fld id="{E84A7802-5501-4F4E-AF8C-CDD4AC9EE778}" type="datetimeFigureOut">
               <a:rPr lang="ru-RU" smtClean="0"/>
-              <a:t>17.11.2020</a:t>
+              <a:t>24.12.2020</a:t>
             </a:fld>
             <a:endParaRPr lang="ru-RU"/>
           </a:p>
@@ -4188,57 +4339,76 @@
           <a:p>
             <a:r>
               <a:rPr lang="ru-RU" dirty="0" smtClean="0"/>
-              <a:t>Вывод</a:t>
+              <a:t>Сохранение в </a:t>
+            </a:r>
+            <a:r>
+              <a:rPr lang="en-US" dirty="0" smtClean="0"/>
+              <a:t>csv</a:t>
             </a:r>
             <a:endParaRPr lang="ru-RU" dirty="0"/>
           </a:p>
         </p:txBody>
       </p:sp>
-      <p:sp>
-        <p:nvSpPr>
-          <p:cNvPr id="3" name="Объект 2"/>
-          <p:cNvSpPr>
-            <a:spLocks noGrp="1"/>
-          </p:cNvSpPr>
+      <p:pic>
+        <p:nvPicPr>
+          <p:cNvPr id="1026" name="Picture 2"/>
+          <p:cNvPicPr>
+            <a:picLocks noGrp="1" noChangeAspect="1" noChangeArrowheads="1"/>
+          </p:cNvPicPr>
           <p:nvPr>
             <p:ph idx="1"/>
           </p:nvPr>
-        </p:nvSpPr>
-        <p:spPr/>
-        <p:txBody>
-          <a:bodyPr>
-            <a:normAutofit fontScale="85000" lnSpcReduction="10000"/>
-          </a:bodyPr>
-          <a:lstStyle/>
-          <a:p>
-            <a:r>
-              <a:rPr lang="ru-RU" dirty="0"/>
-              <a:t>Анализ эпидемиологических и экономических данных показал, что обострение ситуации с распространением </a:t>
-            </a:r>
-            <a:r>
-              <a:rPr lang="ru-RU" dirty="0" err="1"/>
-              <a:t>коронавируса</a:t>
-            </a:r>
-            <a:r>
-              <a:rPr lang="ru-RU" dirty="0"/>
-              <a:t> в России и США совпадает с уменьшением ценности национальных валют относительно евро, в то время как распространение вируса в Германии не так сильно сказалось на национальной экономике.</a:t>
-            </a:r>
-          </a:p>
-          <a:p>
-            <a:r>
-              <a:rPr lang="ru-RU" dirty="0"/>
-              <a:t>Для обработки данных параллельные вычисления показали свою большую эффективность, из-за чего их использование выгодно для обработки больших данных.</a:t>
-            </a:r>
-          </a:p>
-          <a:p>
-            <a:endParaRPr lang="ru-RU" dirty="0"/>
-          </a:p>
-        </p:txBody>
-      </p:sp>
+        </p:nvPicPr>
+        <p:blipFill>
+          <a:blip r:embed="rId2">
+            <a:extLst>
+              <a:ext uri="{28A0092B-C50C-407E-A947-70E740481C1C}">
+                <a14:useLocalDpi xmlns:a14="http://schemas.microsoft.com/office/drawing/2010/main" val="0"/>
+              </a:ext>
+            </a:extLst>
+          </a:blip>
+          <a:srcRect/>
+          <a:stretch>
+            <a:fillRect/>
+          </a:stretch>
+        </p:blipFill>
+        <p:spPr bwMode="auto">
+          <a:xfrm>
+            <a:off x="1862137" y="1824831"/>
+            <a:ext cx="5419725" cy="4076700"/>
+          </a:xfrm>
+          <a:prstGeom prst="rect">
+            <a:avLst/>
+          </a:prstGeom>
+          <a:noFill/>
+          <a:ln>
+            <a:noFill/>
+          </a:ln>
+          <a:extLst>
+            <a:ext uri="{909E8E84-426E-40DD-AFC4-6F175D3DCCD1}">
+              <a14:hiddenFill xmlns:a14="http://schemas.microsoft.com/office/drawing/2010/main">
+                <a:solidFill>
+                  <a:schemeClr val="accent1"/>
+                </a:solidFill>
+              </a14:hiddenFill>
+            </a:ext>
+            <a:ext uri="{91240B29-F687-4F45-9708-019B960494DF}">
+              <a14:hiddenLine xmlns:a14="http://schemas.microsoft.com/office/drawing/2010/main" w="9525">
+                <a:solidFill>
+                  <a:schemeClr val="tx1"/>
+                </a:solidFill>
+                <a:miter lim="800000"/>
+                <a:headEnd/>
+                <a:tailEnd/>
+              </a14:hiddenLine>
+            </a:ext>
+          </a:extLst>
+        </p:spPr>
+      </p:pic>
     </p:spTree>
     <p:extLst>
       <p:ext uri="{BB962C8B-B14F-4D97-AF65-F5344CB8AC3E}">
-        <p14:creationId xmlns:p14="http://schemas.microsoft.com/office/powerpoint/2010/main" val="4139397554"/>
+        <p14:creationId xmlns:p14="http://schemas.microsoft.com/office/powerpoint/2010/main" val="4136202773"/>
       </p:ext>
     </p:extLst>
   </p:cSld>
@@ -4279,7 +4449,7 @@
             <a:spLocks noGrp="1"/>
           </p:cNvSpPr>
           <p:nvPr>
-            <p:ph type="ctrTitle"/>
+            <p:ph type="title"/>
           </p:nvPr>
         </p:nvSpPr>
         <p:spPr/>
@@ -4289,35 +4459,192 @@
           <a:p>
             <a:r>
               <a:rPr lang="ru-RU" dirty="0" smtClean="0"/>
-              <a:t>Спасибо за внимание</a:t>
+              <a:t>Сохранение в </a:t>
+            </a:r>
+            <a:r>
+              <a:rPr lang="en-US" dirty="0" smtClean="0"/>
+              <a:t>Parquet</a:t>
             </a:r>
             <a:endParaRPr lang="ru-RU" dirty="0"/>
           </a:p>
         </p:txBody>
       </p:sp>
-      <p:sp>
-        <p:nvSpPr>
-          <p:cNvPr id="3" name="Подзаголовок 2"/>
-          <p:cNvSpPr>
-            <a:spLocks noGrp="1"/>
-          </p:cNvSpPr>
-          <p:nvPr>
-            <p:ph type="subTitle" idx="1"/>
-          </p:nvPr>
-        </p:nvSpPr>
-        <p:spPr/>
-        <p:txBody>
-          <a:bodyPr/>
-          <a:lstStyle/>
-          <a:p>
-            <a:endParaRPr lang="ru-RU"/>
-          </a:p>
-        </p:txBody>
-      </p:sp>
+      <p:pic>
+        <p:nvPicPr>
+          <p:cNvPr id="2050" name="Picture 2"/>
+          <p:cNvPicPr>
+            <a:picLocks noGrp="1" noChangeAspect="1" noChangeArrowheads="1"/>
+          </p:cNvPicPr>
+          <p:nvPr>
+            <p:ph idx="1"/>
+          </p:nvPr>
+        </p:nvPicPr>
+        <p:blipFill>
+          <a:blip r:embed="rId2">
+            <a:extLst>
+              <a:ext uri="{28A0092B-C50C-407E-A947-70E740481C1C}">
+                <a14:useLocalDpi xmlns:a14="http://schemas.microsoft.com/office/drawing/2010/main" val="0"/>
+              </a:ext>
+            </a:extLst>
+          </a:blip>
+          <a:srcRect/>
+          <a:stretch>
+            <a:fillRect/>
+          </a:stretch>
+        </p:blipFill>
+        <p:spPr bwMode="auto">
+          <a:xfrm>
+            <a:off x="1304925" y="2129631"/>
+            <a:ext cx="6534150" cy="3467100"/>
+          </a:xfrm>
+          <a:prstGeom prst="rect">
+            <a:avLst/>
+          </a:prstGeom>
+          <a:noFill/>
+          <a:ln>
+            <a:noFill/>
+          </a:ln>
+          <a:extLst>
+            <a:ext uri="{909E8E84-426E-40DD-AFC4-6F175D3DCCD1}">
+              <a14:hiddenFill xmlns:a14="http://schemas.microsoft.com/office/drawing/2010/main">
+                <a:solidFill>
+                  <a:schemeClr val="accent1"/>
+                </a:solidFill>
+              </a14:hiddenFill>
+            </a:ext>
+            <a:ext uri="{91240B29-F687-4F45-9708-019B960494DF}">
+              <a14:hiddenLine xmlns:a14="http://schemas.microsoft.com/office/drawing/2010/main" w="9525">
+                <a:solidFill>
+                  <a:schemeClr val="tx1"/>
+                </a:solidFill>
+                <a:miter lim="800000"/>
+                <a:headEnd/>
+                <a:tailEnd/>
+              </a14:hiddenLine>
+            </a:ext>
+          </a:extLst>
+        </p:spPr>
+      </p:pic>
     </p:spTree>
     <p:extLst>
       <p:ext uri="{BB962C8B-B14F-4D97-AF65-F5344CB8AC3E}">
-        <p14:creationId xmlns:p14="http://schemas.microsoft.com/office/powerpoint/2010/main" val="372070255"/>
+        <p14:creationId xmlns:p14="http://schemas.microsoft.com/office/powerpoint/2010/main" val="2485710321"/>
+      </p:ext>
+    </p:extLst>
+  </p:cSld>
+  <p:clrMapOvr>
+    <a:masterClrMapping/>
+  </p:clrMapOvr>
+  <p:timing>
+    <p:tnLst>
+      <p:par>
+        <p:cTn id="1" dur="indefinite" restart="never" nodeType="tmRoot"/>
+      </p:par>
+    </p:tnLst>
+  </p:timing>
+</p:sld>
+</file>
+
+<file path=ppt/slides/slide19.xml><?xml version="1.0" encoding="utf-8"?>
+<p:sld xmlns:a="http://schemas.openxmlformats.org/drawingml/2006/main" xmlns:r="http://schemas.openxmlformats.org/officeDocument/2006/relationships" xmlns:p="http://schemas.openxmlformats.org/presentationml/2006/main">
+  <p:cSld>
+    <p:spTree>
+      <p:nvGrpSpPr>
+        <p:cNvPr id="1" name=""/>
+        <p:cNvGrpSpPr/>
+        <p:nvPr/>
+      </p:nvGrpSpPr>
+      <p:grpSpPr>
+        <a:xfrm>
+          <a:off x="0" y="0"/>
+          <a:ext cx="0" cy="0"/>
+          <a:chOff x="0" y="0"/>
+          <a:chExt cx="0" cy="0"/>
+        </a:xfrm>
+      </p:grpSpPr>
+      <p:sp>
+        <p:nvSpPr>
+          <p:cNvPr id="2" name="Заголовок 1"/>
+          <p:cNvSpPr>
+            <a:spLocks noGrp="1"/>
+          </p:cNvSpPr>
+          <p:nvPr>
+            <p:ph type="title"/>
+          </p:nvPr>
+        </p:nvSpPr>
+        <p:spPr/>
+        <p:txBody>
+          <a:bodyPr/>
+          <a:lstStyle/>
+          <a:p>
+            <a:r>
+              <a:rPr lang="ru-RU" dirty="0" smtClean="0"/>
+              <a:t>Использование сжатия</a:t>
+            </a:r>
+            <a:endParaRPr lang="ru-RU" dirty="0"/>
+          </a:p>
+        </p:txBody>
+      </p:sp>
+      <p:pic>
+        <p:nvPicPr>
+          <p:cNvPr id="3074" name="Picture 2"/>
+          <p:cNvPicPr>
+            <a:picLocks noGrp="1" noChangeAspect="1" noChangeArrowheads="1"/>
+          </p:cNvPicPr>
+          <p:nvPr>
+            <p:ph idx="1"/>
+          </p:nvPr>
+        </p:nvPicPr>
+        <p:blipFill>
+          <a:blip r:embed="rId2">
+            <a:extLst>
+              <a:ext uri="{28A0092B-C50C-407E-A947-70E740481C1C}">
+                <a14:useLocalDpi xmlns:a14="http://schemas.microsoft.com/office/drawing/2010/main" val="0"/>
+              </a:ext>
+            </a:extLst>
+          </a:blip>
+          <a:srcRect/>
+          <a:stretch>
+            <a:fillRect/>
+          </a:stretch>
+        </p:blipFill>
+        <p:spPr bwMode="auto">
+          <a:xfrm>
+            <a:off x="1281112" y="2991644"/>
+            <a:ext cx="6581775" cy="1743075"/>
+          </a:xfrm>
+          <a:prstGeom prst="rect">
+            <a:avLst/>
+          </a:prstGeom>
+          <a:noFill/>
+          <a:ln>
+            <a:noFill/>
+          </a:ln>
+          <a:extLst>
+            <a:ext uri="{909E8E84-426E-40DD-AFC4-6F175D3DCCD1}">
+              <a14:hiddenFill xmlns:a14="http://schemas.microsoft.com/office/drawing/2010/main">
+                <a:solidFill>
+                  <a:schemeClr val="accent1"/>
+                </a:solidFill>
+              </a14:hiddenFill>
+            </a:ext>
+            <a:ext uri="{91240B29-F687-4F45-9708-019B960494DF}">
+              <a14:hiddenLine xmlns:a14="http://schemas.microsoft.com/office/drawing/2010/main" w="9525">
+                <a:solidFill>
+                  <a:schemeClr val="tx1"/>
+                </a:solidFill>
+                <a:miter lim="800000"/>
+                <a:headEnd/>
+                <a:tailEnd/>
+              </a14:hiddenLine>
+            </a:ext>
+          </a:extLst>
+        </p:spPr>
+      </p:pic>
+    </p:spTree>
+    <p:extLst>
+      <p:ext uri="{BB962C8B-B14F-4D97-AF65-F5344CB8AC3E}">
+        <p14:creationId xmlns:p14="http://schemas.microsoft.com/office/powerpoint/2010/main" val="662086750"/>
       </p:ext>
     </p:extLst>
   </p:cSld>
@@ -4429,6 +4756,278 @@
 </p:sld>
 </file>
 
+<file path=ppt/slides/slide20.xml><?xml version="1.0" encoding="utf-8"?>
+<p:sld xmlns:a="http://schemas.openxmlformats.org/drawingml/2006/main" xmlns:r="http://schemas.openxmlformats.org/officeDocument/2006/relationships" xmlns:p="http://schemas.openxmlformats.org/presentationml/2006/main">
+  <p:cSld>
+    <p:spTree>
+      <p:nvGrpSpPr>
+        <p:cNvPr id="1" name=""/>
+        <p:cNvGrpSpPr/>
+        <p:nvPr/>
+      </p:nvGrpSpPr>
+      <p:grpSpPr>
+        <a:xfrm>
+          <a:off x="0" y="0"/>
+          <a:ext cx="0" cy="0"/>
+          <a:chOff x="0" y="0"/>
+          <a:chExt cx="0" cy="0"/>
+        </a:xfrm>
+      </p:grpSpPr>
+      <p:sp>
+        <p:nvSpPr>
+          <p:cNvPr id="2" name="Заголовок 1"/>
+          <p:cNvSpPr>
+            <a:spLocks noGrp="1"/>
+          </p:cNvSpPr>
+          <p:nvPr>
+            <p:ph type="title"/>
+          </p:nvPr>
+        </p:nvSpPr>
+        <p:spPr/>
+        <p:txBody>
+          <a:bodyPr/>
+          <a:lstStyle/>
+          <a:p>
+            <a:r>
+              <a:rPr lang="ru-RU" dirty="0" smtClean="0"/>
+              <a:t>Размер файлов</a:t>
+            </a:r>
+            <a:endParaRPr lang="ru-RU" dirty="0"/>
+          </a:p>
+        </p:txBody>
+      </p:sp>
+      <p:graphicFrame>
+        <p:nvGraphicFramePr>
+          <p:cNvPr id="4" name="Объект 3"/>
+          <p:cNvGraphicFramePr>
+            <a:graphicFrameLocks noGrp="1"/>
+          </p:cNvGraphicFramePr>
+          <p:nvPr>
+            <p:ph idx="1"/>
+            <p:extLst>
+              <p:ext uri="{D42A27DB-BD31-4B8C-83A1-F6EECF244321}">
+                <p14:modId xmlns:p14="http://schemas.microsoft.com/office/powerpoint/2010/main" val="1359764307"/>
+              </p:ext>
+            </p:extLst>
+          </p:nvPr>
+        </p:nvGraphicFramePr>
+        <p:xfrm>
+          <a:off x="457200" y="1600200"/>
+          <a:ext cx="8229600" cy="4525963"/>
+        </p:xfrm>
+        <a:graphic>
+          <a:graphicData uri="http://schemas.openxmlformats.org/drawingml/2006/chart">
+            <c:chart xmlns:c="http://schemas.openxmlformats.org/drawingml/2006/chart" xmlns:r="http://schemas.openxmlformats.org/officeDocument/2006/relationships" r:id="rId2"/>
+          </a:graphicData>
+        </a:graphic>
+      </p:graphicFrame>
+    </p:spTree>
+    <p:extLst>
+      <p:ext uri="{BB962C8B-B14F-4D97-AF65-F5344CB8AC3E}">
+        <p14:creationId xmlns:p14="http://schemas.microsoft.com/office/powerpoint/2010/main" val="1184110120"/>
+      </p:ext>
+    </p:extLst>
+  </p:cSld>
+  <p:clrMapOvr>
+    <a:masterClrMapping/>
+  </p:clrMapOvr>
+  <p:timing>
+    <p:tnLst>
+      <p:par>
+        <p:cTn id="1" dur="indefinite" restart="never" nodeType="tmRoot"/>
+      </p:par>
+    </p:tnLst>
+  </p:timing>
+</p:sld>
+</file>
+
+<file path=ppt/slides/slide21.xml><?xml version="1.0" encoding="utf-8"?>
+<p:sld xmlns:a="http://schemas.openxmlformats.org/drawingml/2006/main" xmlns:r="http://schemas.openxmlformats.org/officeDocument/2006/relationships" xmlns:p="http://schemas.openxmlformats.org/presentationml/2006/main">
+  <p:cSld>
+    <p:spTree>
+      <p:nvGrpSpPr>
+        <p:cNvPr id="1" name=""/>
+        <p:cNvGrpSpPr/>
+        <p:nvPr/>
+      </p:nvGrpSpPr>
+      <p:grpSpPr>
+        <a:xfrm>
+          <a:off x="0" y="0"/>
+          <a:ext cx="0" cy="0"/>
+          <a:chOff x="0" y="0"/>
+          <a:chExt cx="0" cy="0"/>
+        </a:xfrm>
+      </p:grpSpPr>
+      <p:sp>
+        <p:nvSpPr>
+          <p:cNvPr id="2" name="Заголовок 1"/>
+          <p:cNvSpPr>
+            <a:spLocks noGrp="1"/>
+          </p:cNvSpPr>
+          <p:nvPr>
+            <p:ph type="title"/>
+          </p:nvPr>
+        </p:nvSpPr>
+        <p:spPr/>
+        <p:txBody>
+          <a:bodyPr/>
+          <a:lstStyle/>
+          <a:p>
+            <a:r>
+              <a:rPr lang="ru-RU" dirty="0" smtClean="0"/>
+              <a:t>Вывод</a:t>
+            </a:r>
+            <a:endParaRPr lang="ru-RU" dirty="0"/>
+          </a:p>
+        </p:txBody>
+      </p:sp>
+      <p:sp>
+        <p:nvSpPr>
+          <p:cNvPr id="3" name="Объект 2"/>
+          <p:cNvSpPr>
+            <a:spLocks noGrp="1"/>
+          </p:cNvSpPr>
+          <p:nvPr>
+            <p:ph idx="1"/>
+          </p:nvPr>
+        </p:nvSpPr>
+        <p:spPr/>
+        <p:txBody>
+          <a:bodyPr>
+            <a:normAutofit fontScale="70000" lnSpcReduction="20000"/>
+          </a:bodyPr>
+          <a:lstStyle/>
+          <a:p>
+            <a:r>
+              <a:rPr lang="ru-RU" dirty="0"/>
+              <a:t>Анализ эпидемиологических и экономических данных показал, что обострение ситуации с распространением </a:t>
+            </a:r>
+            <a:r>
+              <a:rPr lang="ru-RU" dirty="0" err="1"/>
+              <a:t>коронавируса</a:t>
+            </a:r>
+            <a:r>
+              <a:rPr lang="ru-RU" dirty="0"/>
+              <a:t> в России и США совпадает с уменьшением ценности национальных валют относительно евро, в то время как распространение вируса в Германии не так сильно сказалось на национальной экономике.</a:t>
+            </a:r>
+          </a:p>
+          <a:p>
+            <a:r>
+              <a:rPr lang="ru-RU" dirty="0"/>
+              <a:t>Для обработки данных параллельные вычисления показали свою большую эффективность, из-за чего их использование выгодно для обработки больших данных.</a:t>
+            </a:r>
+          </a:p>
+          <a:p>
+            <a:r>
+              <a:rPr lang="ru-RU" dirty="0"/>
+              <a:t>Для хранения больших данных эффективным решением является их сохранение в сжатом виде в двоичном формате, что позволяет экономить значительные объёмы дискового </a:t>
+            </a:r>
+            <a:r>
+              <a:rPr lang="ru-RU" dirty="0" smtClean="0"/>
+              <a:t>пространства.</a:t>
+            </a:r>
+          </a:p>
+        </p:txBody>
+      </p:sp>
+    </p:spTree>
+    <p:extLst>
+      <p:ext uri="{BB962C8B-B14F-4D97-AF65-F5344CB8AC3E}">
+        <p14:creationId xmlns:p14="http://schemas.microsoft.com/office/powerpoint/2010/main" val="4139397554"/>
+      </p:ext>
+    </p:extLst>
+  </p:cSld>
+  <p:clrMapOvr>
+    <a:masterClrMapping/>
+  </p:clrMapOvr>
+  <p:timing>
+    <p:tnLst>
+      <p:par>
+        <p:cTn id="1" dur="indefinite" restart="never" nodeType="tmRoot"/>
+      </p:par>
+    </p:tnLst>
+  </p:timing>
+</p:sld>
+</file>
+
+<file path=ppt/slides/slide22.xml><?xml version="1.0" encoding="utf-8"?>
+<p:sld xmlns:a="http://schemas.openxmlformats.org/drawingml/2006/main" xmlns:r="http://schemas.openxmlformats.org/officeDocument/2006/relationships" xmlns:p="http://schemas.openxmlformats.org/presentationml/2006/main">
+  <p:cSld>
+    <p:spTree>
+      <p:nvGrpSpPr>
+        <p:cNvPr id="1" name=""/>
+        <p:cNvGrpSpPr/>
+        <p:nvPr/>
+      </p:nvGrpSpPr>
+      <p:grpSpPr>
+        <a:xfrm>
+          <a:off x="0" y="0"/>
+          <a:ext cx="0" cy="0"/>
+          <a:chOff x="0" y="0"/>
+          <a:chExt cx="0" cy="0"/>
+        </a:xfrm>
+      </p:grpSpPr>
+      <p:sp>
+        <p:nvSpPr>
+          <p:cNvPr id="2" name="Заголовок 1"/>
+          <p:cNvSpPr>
+            <a:spLocks noGrp="1"/>
+          </p:cNvSpPr>
+          <p:nvPr>
+            <p:ph type="ctrTitle"/>
+          </p:nvPr>
+        </p:nvSpPr>
+        <p:spPr/>
+        <p:txBody>
+          <a:bodyPr/>
+          <a:lstStyle/>
+          <a:p>
+            <a:r>
+              <a:rPr lang="ru-RU" dirty="0" smtClean="0"/>
+              <a:t>Спасибо за внимание</a:t>
+            </a:r>
+            <a:endParaRPr lang="ru-RU" dirty="0"/>
+          </a:p>
+        </p:txBody>
+      </p:sp>
+      <p:sp>
+        <p:nvSpPr>
+          <p:cNvPr id="3" name="Подзаголовок 2"/>
+          <p:cNvSpPr>
+            <a:spLocks noGrp="1"/>
+          </p:cNvSpPr>
+          <p:nvPr>
+            <p:ph type="subTitle" idx="1"/>
+          </p:nvPr>
+        </p:nvSpPr>
+        <p:spPr/>
+        <p:txBody>
+          <a:bodyPr/>
+          <a:lstStyle/>
+          <a:p>
+            <a:endParaRPr lang="ru-RU"/>
+          </a:p>
+        </p:txBody>
+      </p:sp>
+    </p:spTree>
+    <p:extLst>
+      <p:ext uri="{BB962C8B-B14F-4D97-AF65-F5344CB8AC3E}">
+        <p14:creationId xmlns:p14="http://schemas.microsoft.com/office/powerpoint/2010/main" val="372070255"/>
+      </p:ext>
+    </p:extLst>
+  </p:cSld>
+  <p:clrMapOvr>
+    <a:masterClrMapping/>
+  </p:clrMapOvr>
+  <p:timing>
+    <p:tnLst>
+      <p:par>
+        <p:cTn id="1" dur="indefinite" restart="never" nodeType="tmRoot"/>
+      </p:par>
+    </p:tnLst>
+  </p:timing>
+</p:sld>
+</file>
+
 <file path=ppt/slides/slide3.xml><?xml version="1.0" encoding="utf-8"?>
 <p:sld xmlns:a="http://schemas.openxmlformats.org/drawingml/2006/main" xmlns:r="http://schemas.openxmlformats.org/officeDocument/2006/relationships" xmlns:p="http://schemas.openxmlformats.org/presentationml/2006/main">
   <p:cSld>
@@ -4482,7 +5081,7 @@
         <p:spPr/>
         <p:txBody>
           <a:bodyPr>
-            <a:normAutofit fontScale="77500" lnSpcReduction="20000"/>
+            <a:normAutofit fontScale="70000" lnSpcReduction="20000"/>
           </a:bodyPr>
           <a:lstStyle/>
           <a:p>
@@ -4576,7 +5175,42 @@
               <a:rPr lang="ru-RU" dirty="0" smtClean="0"/>
               <a:t>.</a:t>
             </a:r>
-            <a:endParaRPr lang="ru-RU" dirty="0"/>
+          </a:p>
+          <a:p>
+            <a:pPr lvl="0"/>
+            <a:r>
+              <a:rPr lang="en-US" dirty="0" smtClean="0"/>
+              <a:t>Parquet</a:t>
+            </a:r>
+            <a:r>
+              <a:rPr lang="en-US" dirty="0"/>
+              <a:t> </a:t>
+            </a:r>
+            <a:r>
+              <a:rPr lang="en-US" dirty="0" smtClean="0"/>
+              <a:t>– </a:t>
+            </a:r>
+            <a:r>
+              <a:rPr lang="ru-RU" dirty="0" smtClean="0"/>
+              <a:t>бинарный, </a:t>
+            </a:r>
+            <a:r>
+              <a:rPr lang="ru-RU" dirty="0" err="1"/>
+              <a:t>колоночно</a:t>
+            </a:r>
+            <a:r>
+              <a:rPr lang="ru-RU" dirty="0"/>
+              <a:t>-ориентированный формат хранения больших </a:t>
+            </a:r>
+            <a:r>
+              <a:rPr lang="ru-RU" dirty="0" smtClean="0"/>
+              <a:t>данных</a:t>
+            </a:r>
+            <a:r>
+              <a:rPr lang="ru-RU" dirty="0"/>
+              <a:t>.</a:t>
+            </a:r>
+            <a:endParaRPr lang="en-US" dirty="0" smtClean="0"/>
           </a:p>
         </p:txBody>
       </p:sp>
